--- a/1.4_car_project/ppt.pptx
+++ b/1.4_car_project/ppt.pptx
@@ -5,7 +5,7 @@
     <p:sldMasterId id="2147483648" r:id="rId1"/>
   </p:sldMasterIdLst>
   <p:notesMasterIdLst>
-    <p:notesMasterId r:id="rId13"/>
+    <p:notesMasterId r:id="rId11"/>
   </p:notesMasterIdLst>
   <p:sldIdLst>
     <p:sldId id="256" r:id="rId2"/>
@@ -16,9 +16,7 @@
     <p:sldId id="263" r:id="rId7"/>
     <p:sldId id="264" r:id="rId8"/>
     <p:sldId id="265" r:id="rId9"/>
-    <p:sldId id="266" r:id="rId10"/>
-    <p:sldId id="267" r:id="rId11"/>
-    <p:sldId id="268" r:id="rId12"/>
+    <p:sldId id="267" r:id="rId10"/>
   </p:sldIdLst>
   <p:sldSz cx="12192000" cy="6858000"/>
   <p:notesSz cx="6858000" cy="12192000"/>
@@ -337,180 +335,6 @@
 </p:notes>
 </file>
 
-<file path=ppt/notesSlides/notesSlide10.xml><?xml version="1.0" encoding="utf-8"?>
-<p:notes xmlns:a="http://schemas.openxmlformats.org/drawingml/2006/main" xmlns:r="http://schemas.openxmlformats.org/officeDocument/2006/relationships" xmlns:p="http://schemas.openxmlformats.org/presentationml/2006/main">
-  <p:cSld>
-    <p:spTree>
-      <p:nvGrpSpPr>
-        <p:cNvPr id="1" name=""/>
-        <p:cNvGrpSpPr/>
-        <p:nvPr/>
-      </p:nvGrpSpPr>
-      <p:grpSpPr>
-        <a:xfrm>
-          <a:off x="0" y="0"/>
-          <a:ext cx="0" cy="0"/>
-          <a:chOff x="0" y="0"/>
-          <a:chExt cx="0" cy="0"/>
-        </a:xfrm>
-      </p:grpSpPr>
-      <p:sp>
-        <p:nvSpPr>
-          <p:cNvPr id="2" name="Slide Image Placeholder 1"/>
-          <p:cNvSpPr>
-            <a:spLocks noGrp="1" noRot="1" noChangeAspect="1"/>
-          </p:cNvSpPr>
-          <p:nvPr>
-            <p:ph type="sldImg"/>
-          </p:nvPr>
-        </p:nvSpPr>
-        <p:spPr/>
-      </p:sp>
-      <p:sp>
-        <p:nvSpPr>
-          <p:cNvPr id="3" name="Notes Placeholder 2"/>
-          <p:cNvSpPr>
-            <a:spLocks noGrp="1"/>
-          </p:cNvSpPr>
-          <p:nvPr>
-            <p:ph type="body" idx="1"/>
-          </p:nvPr>
-        </p:nvSpPr>
-        <p:spPr/>
-        <p:txBody>
-          <a:bodyPr/>
-          <a:lstStyle/>
-          <a:p>
-            <a:r>
-              <a:rPr lang="en-US" dirty="0"/>
-              <a:t>
-[Sources]
-- Baseline tick count (~3300) comes from project prompt provided by user.
-[/Sources]</a:t>
-            </a:r>
-          </a:p>
-        </p:txBody>
-      </p:sp>
-      <p:sp>
-        <p:nvSpPr>
-          <p:cNvPr id="4" name="Slide Number Placeholder 3"/>
-          <p:cNvSpPr>
-            <a:spLocks noGrp="1"/>
-          </p:cNvSpPr>
-          <p:nvPr>
-            <p:ph type="sldNum" sz="quarter" idx="10"/>
-          </p:nvPr>
-        </p:nvSpPr>
-        <p:spPr/>
-        <p:txBody>
-          <a:bodyPr/>
-          <a:lstStyle/>
-          <a:p>
-            <a:fld id="{F7021451-1387-4CA6-816F-3879F97B5CBC}" type="slidenum">
-              <a:rPr lang="en-US"/>
-              <a:t>10</a:t>
-            </a:fld>
-            <a:endParaRPr lang="en-US"/>
-          </a:p>
-        </p:txBody>
-      </p:sp>
-    </p:spTree>
-    <p:extLst>
-      <p:ext uri="{BB962C8B-B14F-4D97-AF65-F5344CB8AC3E}">
-        <p14:creationId xmlns:p14="http://schemas.microsoft.com/office/powerpoint/2010/main" val="1024086991"/>
-      </p:ext>
-    </p:extLst>
-  </p:cSld>
-  <p:clrMapOvr>
-    <a:masterClrMapping/>
-  </p:clrMapOvr>
-</p:notes>
-</file>
-
-<file path=ppt/notesSlides/notesSlide11.xml><?xml version="1.0" encoding="utf-8"?>
-<p:notes xmlns:a="http://schemas.openxmlformats.org/drawingml/2006/main" xmlns:r="http://schemas.openxmlformats.org/officeDocument/2006/relationships" xmlns:p="http://schemas.openxmlformats.org/presentationml/2006/main">
-  <p:cSld>
-    <p:spTree>
-      <p:nvGrpSpPr>
-        <p:cNvPr id="1" name=""/>
-        <p:cNvGrpSpPr/>
-        <p:nvPr/>
-      </p:nvGrpSpPr>
-      <p:grpSpPr>
-        <a:xfrm>
-          <a:off x="0" y="0"/>
-          <a:ext cx="0" cy="0"/>
-          <a:chOff x="0" y="0"/>
-          <a:chExt cx="0" cy="0"/>
-        </a:xfrm>
-      </p:grpSpPr>
-      <p:sp>
-        <p:nvSpPr>
-          <p:cNvPr id="2" name="Slide Image Placeholder 1"/>
-          <p:cNvSpPr>
-            <a:spLocks noGrp="1" noRot="1" noChangeAspect="1"/>
-          </p:cNvSpPr>
-          <p:nvPr>
-            <p:ph type="sldImg"/>
-          </p:nvPr>
-        </p:nvSpPr>
-        <p:spPr/>
-      </p:sp>
-      <p:sp>
-        <p:nvSpPr>
-          <p:cNvPr id="3" name="Notes Placeholder 2"/>
-          <p:cNvSpPr>
-            <a:spLocks noGrp="1"/>
-          </p:cNvSpPr>
-          <p:nvPr>
-            <p:ph type="body" idx="1"/>
-          </p:nvPr>
-        </p:nvSpPr>
-        <p:spPr/>
-        <p:txBody>
-          <a:bodyPr/>
-          <a:lstStyle/>
-          <a:p>
-            <a:endParaRPr lang="en-US" dirty="0"/>
-          </a:p>
-        </p:txBody>
-      </p:sp>
-      <p:sp>
-        <p:nvSpPr>
-          <p:cNvPr id="4" name="Slide Number Placeholder 3"/>
-          <p:cNvSpPr>
-            <a:spLocks noGrp="1"/>
-          </p:cNvSpPr>
-          <p:nvPr>
-            <p:ph type="sldNum" sz="quarter" idx="10"/>
-          </p:nvPr>
-        </p:nvSpPr>
-        <p:spPr/>
-        <p:txBody>
-          <a:bodyPr/>
-          <a:lstStyle/>
-          <a:p>
-            <a:fld id="{F7021451-1387-4CA6-816F-3879F97B5CBC}" type="slidenum">
-              <a:rPr lang="en-US"/>
-              <a:t>11</a:t>
-            </a:fld>
-            <a:endParaRPr lang="en-US"/>
-          </a:p>
-        </p:txBody>
-      </p:sp>
-    </p:spTree>
-    <p:extLst>
-      <p:ext uri="{BB962C8B-B14F-4D97-AF65-F5344CB8AC3E}">
-        <p14:creationId xmlns:p14="http://schemas.microsoft.com/office/powerpoint/2010/main" val="1024086991"/>
-      </p:ext>
-    </p:extLst>
-  </p:cSld>
-  <p:clrMapOvr>
-    <a:masterClrMapping/>
-  </p:clrMapOvr>
-</p:notes>
-</file>
-
 <file path=ppt/notesSlides/notesSlide2.xml><?xml version="1.0" encoding="utf-8"?>
 <p:notes xmlns:a="http://schemas.openxmlformats.org/drawingml/2006/main" xmlns:r="http://schemas.openxmlformats.org/officeDocument/2006/relationships" xmlns:p="http://schemas.openxmlformats.org/presentationml/2006/main">
   <p:cSld>
@@ -1167,7 +991,13 @@
           <a:bodyPr/>
           <a:lstStyle/>
           <a:p>
-            <a:endParaRPr lang="en-US" dirty="0"/>
+            <a:r>
+              <a:rPr lang="en-US" dirty="0"/>
+              <a:t>
+[Sources]
+- Baseline tick count (~3300) comes from project prompt provided by user.
+[/Sources]</a:t>
+            </a:r>
           </a:p>
         </p:txBody>
       </p:sp>
@@ -2371,1646 +2201,6 @@
 </p:sld>
 </file>
 
-<file path=ppt/slides/slide10.xml><?xml version="1.0" encoding="utf-8"?>
-<p:sld xmlns:a="http://schemas.openxmlformats.org/drawingml/2006/main" xmlns:r="http://schemas.openxmlformats.org/officeDocument/2006/relationships" xmlns:p="http://schemas.openxmlformats.org/presentationml/2006/main">
-  <p:cSld name="Slide 12">
-    <p:bg>
-      <p:bgPr>
-        <a:solidFill>
-          <a:srgbClr val="071B2D"/>
-        </a:solidFill>
-        <a:effectLst/>
-      </p:bgPr>
-    </p:bg>
-    <p:spTree>
-      <p:nvGrpSpPr>
-        <p:cNvPr id="1" name=""/>
-        <p:cNvGrpSpPr/>
-        <p:nvPr/>
-      </p:nvGrpSpPr>
-      <p:grpSpPr>
-        <a:xfrm>
-          <a:off x="0" y="0"/>
-          <a:ext cx="0" cy="0"/>
-          <a:chOff x="0" y="0"/>
-          <a:chExt cx="0" cy="0"/>
-        </a:xfrm>
-      </p:grpSpPr>
-      <p:sp>
-        <p:nvSpPr>
-          <p:cNvPr id="2" name="Shape 0"/>
-          <p:cNvSpPr/>
-          <p:nvPr/>
-        </p:nvSpPr>
-        <p:spPr>
-          <a:xfrm>
-            <a:off x="0" y="0"/>
-            <a:ext cx="12191695" cy="320040"/>
-          </a:xfrm>
-          <a:prstGeom prst="rect">
-            <a:avLst/>
-          </a:prstGeom>
-          <a:solidFill>
-            <a:srgbClr val="0B2A4A"/>
-          </a:solidFill>
-          <a:ln/>
-        </p:spPr>
-        <p:txBody>
-          <a:bodyPr/>
-          <a:lstStyle/>
-          <a:p>
-            <a:endParaRPr lang="en-US"/>
-          </a:p>
-        </p:txBody>
-      </p:sp>
-      <p:sp>
-        <p:nvSpPr>
-          <p:cNvPr id="3" name="Shape 1"/>
-          <p:cNvSpPr/>
-          <p:nvPr/>
-        </p:nvSpPr>
-        <p:spPr>
-          <a:xfrm>
-            <a:off x="0" y="0"/>
-            <a:ext cx="164592" cy="6858000"/>
-          </a:xfrm>
-          <a:prstGeom prst="rect">
-            <a:avLst/>
-          </a:prstGeom>
-          <a:solidFill>
-            <a:srgbClr val="21C7D9"/>
-          </a:solidFill>
-          <a:ln/>
-        </p:spPr>
-        <p:txBody>
-          <a:bodyPr/>
-          <a:lstStyle/>
-          <a:p>
-            <a:endParaRPr lang="en-US"/>
-          </a:p>
-        </p:txBody>
-      </p:sp>
-      <p:sp>
-        <p:nvSpPr>
-          <p:cNvPr id="4" name="Text 2"/>
-          <p:cNvSpPr/>
-          <p:nvPr/>
-        </p:nvSpPr>
-        <p:spPr>
-          <a:xfrm>
-            <a:off x="640080" y="502920"/>
-            <a:ext cx="11155680" cy="548640"/>
-          </a:xfrm>
-          <a:prstGeom prst="rect">
-            <a:avLst/>
-          </a:prstGeom>
-          <a:noFill/>
-          <a:ln/>
-        </p:spPr>
-        <p:txBody>
-          <a:bodyPr wrap="square" rtlCol="0" anchor="ctr"/>
-          <a:lstStyle/>
-          <a:p>
-            <a:pPr marL="0" indent="0">
-              <a:buNone/>
-            </a:pPr>
-            <a:r>
-              <a:rPr lang="en-US" sz="3000" b="1" dirty="0">
-                <a:solidFill>
-                  <a:srgbClr val="FFFFFF"/>
-                </a:solidFill>
-                <a:latin typeface="Aptos Display" pitchFamily="34" charset="0"/>
-                <a:ea typeface="Aptos Display" pitchFamily="34" charset="-122"/>
-                <a:cs typeface="Aptos Display" pitchFamily="34" charset="-120"/>
-              </a:rPr>
-              <a:t>Results &amp; performance</a:t>
-            </a:r>
-            <a:endParaRPr lang="en-US" sz="3000" dirty="0"/>
-          </a:p>
-        </p:txBody>
-      </p:sp>
-      <p:sp>
-        <p:nvSpPr>
-          <p:cNvPr id="5" name="Text 3"/>
-          <p:cNvSpPr/>
-          <p:nvPr/>
-        </p:nvSpPr>
-        <p:spPr>
-          <a:xfrm>
-            <a:off x="640080" y="1051560"/>
-            <a:ext cx="11155680" cy="365760"/>
-          </a:xfrm>
-          <a:prstGeom prst="rect">
-            <a:avLst/>
-          </a:prstGeom>
-          <a:noFill/>
-          <a:ln/>
-        </p:spPr>
-        <p:txBody>
-          <a:bodyPr wrap="square" rtlCol="0" anchor="ctr"/>
-          <a:lstStyle/>
-          <a:p>
-            <a:pPr marL="0" indent="0">
-              <a:buNone/>
-            </a:pPr>
-            <a:r>
-              <a:rPr lang="en-US" sz="1400" dirty="0">
-                <a:solidFill>
-                  <a:srgbClr val="BFD5E6"/>
-                </a:solidFill>
-                <a:latin typeface="Aptos" pitchFamily="34" charset="0"/>
-                <a:ea typeface="Aptos" pitchFamily="34" charset="-122"/>
-                <a:cs typeface="Aptos" pitchFamily="34" charset="-120"/>
-              </a:rPr>
-              <a:t>What tick count did your algorithm achieve?</a:t>
-            </a:r>
-            <a:endParaRPr lang="en-US" sz="1400" dirty="0"/>
-          </a:p>
-        </p:txBody>
-      </p:sp>
-      <p:sp>
-        <p:nvSpPr>
-          <p:cNvPr id="6" name="Shape 4"/>
-          <p:cNvSpPr/>
-          <p:nvPr/>
-        </p:nvSpPr>
-        <p:spPr>
-          <a:xfrm>
-            <a:off x="685800" y="1645920"/>
-            <a:ext cx="10972800" cy="2011680"/>
-          </a:xfrm>
-          <a:prstGeom prst="roundRect">
-            <a:avLst/>
-          </a:prstGeom>
-          <a:solidFill>
-            <a:srgbClr val="0B2A4A"/>
-          </a:solidFill>
-          <a:ln w="12700">
-            <a:solidFill>
-              <a:srgbClr val="123B5A"/>
-            </a:solidFill>
-            <a:prstDash val="solid"/>
-          </a:ln>
-        </p:spPr>
-        <p:txBody>
-          <a:bodyPr/>
-          <a:lstStyle/>
-          <a:p>
-            <a:endParaRPr lang="en-US"/>
-          </a:p>
-        </p:txBody>
-      </p:sp>
-      <p:sp>
-        <p:nvSpPr>
-          <p:cNvPr id="7" name="Text 5"/>
-          <p:cNvSpPr/>
-          <p:nvPr/>
-        </p:nvSpPr>
-        <p:spPr>
-          <a:xfrm>
-            <a:off x="960120" y="1874520"/>
-            <a:ext cx="10424160" cy="365760"/>
-          </a:xfrm>
-          <a:prstGeom prst="rect">
-            <a:avLst/>
-          </a:prstGeom>
-          <a:noFill/>
-          <a:ln/>
-        </p:spPr>
-        <p:txBody>
-          <a:bodyPr wrap="square" rtlCol="0" anchor="ctr"/>
-          <a:lstStyle/>
-          <a:p>
-            <a:pPr marL="0" indent="0">
-              <a:buNone/>
-            </a:pPr>
-            <a:r>
-              <a:rPr lang="en-US" sz="2200" b="1" dirty="0">
-                <a:solidFill>
-                  <a:srgbClr val="FFFFFF"/>
-                </a:solidFill>
-                <a:latin typeface="Aptos Display" pitchFamily="34" charset="0"/>
-                <a:ea typeface="Aptos Display" pitchFamily="34" charset="-122"/>
-                <a:cs typeface="Aptos Display" pitchFamily="34" charset="-120"/>
-              </a:rPr>
-              <a:t>Tick count (fill in)</a:t>
-            </a:r>
-            <a:endParaRPr lang="en-US" sz="2200" dirty="0"/>
-          </a:p>
-        </p:txBody>
-      </p:sp>
-      <p:sp>
-        <p:nvSpPr>
-          <p:cNvPr id="8" name="Text 6"/>
-          <p:cNvSpPr/>
-          <p:nvPr/>
-        </p:nvSpPr>
-        <p:spPr>
-          <a:xfrm>
-            <a:off x="960120" y="2331720"/>
-            <a:ext cx="10424160" cy="502920"/>
-          </a:xfrm>
-          <a:prstGeom prst="rect">
-            <a:avLst/>
-          </a:prstGeom>
-          <a:noFill/>
-          <a:ln/>
-        </p:spPr>
-        <p:txBody>
-          <a:bodyPr wrap="square" rtlCol="0" anchor="ctr"/>
-          <a:lstStyle/>
-          <a:p>
-            <a:pPr marL="0" indent="0">
-              <a:buNone/>
-            </a:pPr>
-            <a:r>
-              <a:rPr lang="en-US" sz="2600" b="1" dirty="0">
-                <a:solidFill>
-                  <a:srgbClr val="21C7D9"/>
-                </a:solidFill>
-                <a:latin typeface="Aptos" pitchFamily="34" charset="0"/>
-                <a:ea typeface="Aptos" pitchFamily="34" charset="-122"/>
-                <a:cs typeface="Aptos" pitchFamily="34" charset="-120"/>
-              </a:rPr>
-              <a:t>My algorithm completed in:  ______  ticks</a:t>
-            </a:r>
-            <a:endParaRPr lang="en-US" sz="2600" dirty="0"/>
-          </a:p>
-        </p:txBody>
-      </p:sp>
-      <p:sp>
-        <p:nvSpPr>
-          <p:cNvPr id="9" name="Text 7"/>
-          <p:cNvSpPr/>
-          <p:nvPr/>
-        </p:nvSpPr>
-        <p:spPr>
-          <a:xfrm>
-            <a:off x="960120" y="2971800"/>
-            <a:ext cx="10424160" cy="320040"/>
-          </a:xfrm>
-          <a:prstGeom prst="rect">
-            <a:avLst/>
-          </a:prstGeom>
-          <a:noFill/>
-          <a:ln/>
-        </p:spPr>
-        <p:txBody>
-          <a:bodyPr wrap="square" rtlCol="0" anchor="ctr"/>
-          <a:lstStyle/>
-          <a:p>
-            <a:pPr marL="0" indent="0">
-              <a:buNone/>
-            </a:pPr>
-            <a:r>
-              <a:rPr lang="en-US" sz="1400" dirty="0">
-                <a:solidFill>
-                  <a:srgbClr val="BFD5E6"/>
-                </a:solidFill>
-                <a:latin typeface="Aptos" pitchFamily="34" charset="0"/>
-                <a:ea typeface="Aptos" pitchFamily="34" charset="-122"/>
-                <a:cs typeface="Aptos" pitchFamily="34" charset="-120"/>
-              </a:rPr>
-              <a:t>Baseline (naïve one-car-at-a-time): ~3300 ticks (given in prompt)</a:t>
-            </a:r>
-            <a:endParaRPr lang="en-US" sz="1400" dirty="0"/>
-          </a:p>
-        </p:txBody>
-      </p:sp>
-      <p:sp>
-        <p:nvSpPr>
-          <p:cNvPr id="10" name="Shape 8"/>
-          <p:cNvSpPr/>
-          <p:nvPr/>
-        </p:nvSpPr>
-        <p:spPr>
-          <a:xfrm>
-            <a:off x="685800" y="3977640"/>
-            <a:ext cx="5440680" cy="2148840"/>
-          </a:xfrm>
-          <a:prstGeom prst="roundRect">
-            <a:avLst/>
-          </a:prstGeom>
-          <a:solidFill>
-            <a:srgbClr val="0B2A4A"/>
-          </a:solidFill>
-          <a:ln w="12700">
-            <a:solidFill>
-              <a:srgbClr val="123B5A"/>
-            </a:solidFill>
-            <a:prstDash val="solid"/>
-          </a:ln>
-          <a:effectLst>
-            <a:outerShdw blurRad="38100" dist="19050" dir="2700000" algn="bl" rotWithShape="0">
-              <a:srgbClr val="000000">
-                <a:alpha val="25000"/>
-              </a:srgbClr>
-            </a:outerShdw>
-          </a:effectLst>
-        </p:spPr>
-        <p:txBody>
-          <a:bodyPr/>
-          <a:lstStyle/>
-          <a:p>
-            <a:endParaRPr lang="en-US"/>
-          </a:p>
-        </p:txBody>
-      </p:sp>
-      <p:sp>
-        <p:nvSpPr>
-          <p:cNvPr id="11" name="Shape 9"/>
-          <p:cNvSpPr/>
-          <p:nvPr/>
-        </p:nvSpPr>
-        <p:spPr>
-          <a:xfrm>
-            <a:off x="685800" y="3977640"/>
-            <a:ext cx="109728" cy="2148840"/>
-          </a:xfrm>
-          <a:prstGeom prst="rect">
-            <a:avLst/>
-          </a:prstGeom>
-          <a:solidFill>
-            <a:srgbClr val="21C7D9"/>
-          </a:solidFill>
-          <a:ln w="12700">
-            <a:solidFill>
-              <a:srgbClr val="21C7D9"/>
-            </a:solidFill>
-            <a:prstDash val="solid"/>
-          </a:ln>
-        </p:spPr>
-        <p:txBody>
-          <a:bodyPr/>
-          <a:lstStyle/>
-          <a:p>
-            <a:endParaRPr lang="en-US"/>
-          </a:p>
-        </p:txBody>
-      </p:sp>
-      <p:sp>
-        <p:nvSpPr>
-          <p:cNvPr id="12" name="Text 10"/>
-          <p:cNvSpPr/>
-          <p:nvPr/>
-        </p:nvSpPr>
-        <p:spPr>
-          <a:xfrm>
-            <a:off x="886968" y="4142232"/>
-            <a:ext cx="5120640" cy="320040"/>
-          </a:xfrm>
-          <a:prstGeom prst="rect">
-            <a:avLst/>
-          </a:prstGeom>
-          <a:noFill/>
-          <a:ln/>
-        </p:spPr>
-        <p:txBody>
-          <a:bodyPr wrap="square" rtlCol="0" anchor="ctr"/>
-          <a:lstStyle/>
-          <a:p>
-            <a:pPr marL="0" indent="0">
-              <a:buNone/>
-            </a:pPr>
-            <a:r>
-              <a:rPr lang="en-US" sz="1800" b="1" dirty="0">
-                <a:solidFill>
-                  <a:srgbClr val="FFFFFF"/>
-                </a:solidFill>
-                <a:latin typeface="Aptos Display" pitchFamily="34" charset="0"/>
-                <a:ea typeface="Aptos Display" pitchFamily="34" charset="-122"/>
-                <a:cs typeface="Aptos Display" pitchFamily="34" charset="-120"/>
-              </a:rPr>
-              <a:t>Why it’s faster (fill in)</a:t>
-            </a:r>
-            <a:endParaRPr lang="en-US" sz="1800" dirty="0"/>
-          </a:p>
-        </p:txBody>
-      </p:sp>
-      <p:sp>
-        <p:nvSpPr>
-          <p:cNvPr id="13" name="Text 11"/>
-          <p:cNvSpPr/>
-          <p:nvPr/>
-        </p:nvSpPr>
-        <p:spPr>
-          <a:xfrm>
-            <a:off x="886968" y="4526280"/>
-            <a:ext cx="5120640" cy="1463040"/>
-          </a:xfrm>
-          <a:prstGeom prst="rect">
-            <a:avLst/>
-          </a:prstGeom>
-          <a:noFill/>
-          <a:ln/>
-        </p:spPr>
-        <p:txBody>
-          <a:bodyPr wrap="square" rtlCol="0" anchor="t"/>
-          <a:lstStyle/>
-          <a:p>
-            <a:pPr marL="0" indent="0">
-              <a:buNone/>
-            </a:pPr>
-            <a:r>
-              <a:rPr lang="en-US" sz="1400" dirty="0">
-                <a:solidFill>
-                  <a:srgbClr val="D8E8F6"/>
-                </a:solidFill>
-                <a:latin typeface="Aptos" pitchFamily="34" charset="0"/>
-                <a:ea typeface="Aptos" pitchFamily="34" charset="-122"/>
-                <a:cs typeface="Aptos" pitchFamily="34" charset="-120"/>
-              </a:rPr>
-              <a:t>Examples to mention:</a:t>
-            </a:r>
-            <a:endParaRPr lang="en-US" sz="1400" dirty="0"/>
-          </a:p>
-          <a:p>
-            <a:pPr marL="0" indent="0">
-              <a:buNone/>
-            </a:pPr>
-            <a:r>
-              <a:rPr lang="en-US" sz="1400" dirty="0">
-                <a:solidFill>
-                  <a:srgbClr val="D8E8F6"/>
-                </a:solidFill>
-                <a:latin typeface="Aptos" pitchFamily="34" charset="0"/>
-                <a:ea typeface="Aptos" pitchFamily="34" charset="-122"/>
-                <a:cs typeface="Aptos" pitchFamily="34" charset="-120"/>
-              </a:rPr>
-              <a:t>• Higher parallel throughput (more cars safely active)</a:t>
-            </a:r>
-            <a:endParaRPr lang="en-US" sz="1400" dirty="0"/>
-          </a:p>
-          <a:p>
-            <a:pPr marL="0" indent="0">
-              <a:buNone/>
-            </a:pPr>
-            <a:r>
-              <a:rPr lang="en-US" sz="1400" dirty="0">
-                <a:solidFill>
-                  <a:srgbClr val="D8E8F6"/>
-                </a:solidFill>
-                <a:latin typeface="Aptos" pitchFamily="34" charset="0"/>
-                <a:ea typeface="Aptos" pitchFamily="34" charset="-122"/>
-                <a:cs typeface="Aptos" pitchFamily="34" charset="-120"/>
-              </a:rPr>
-              <a:t>• Fewer deadlocks / oscillations</a:t>
-            </a:r>
-            <a:endParaRPr lang="en-US" sz="1400" dirty="0"/>
-          </a:p>
-          <a:p>
-            <a:pPr marL="0" indent="0">
-              <a:buNone/>
-            </a:pPr>
-            <a:r>
-              <a:rPr lang="en-US" sz="1400" dirty="0">
-                <a:solidFill>
-                  <a:srgbClr val="D8E8F6"/>
-                </a:solidFill>
-                <a:latin typeface="Aptos" pitchFamily="34" charset="0"/>
-                <a:ea typeface="Aptos" pitchFamily="34" charset="-122"/>
-                <a:cs typeface="Aptos" pitchFamily="34" charset="-120"/>
-              </a:rPr>
-              <a:t>• Smarter tie-breaking at conflicts</a:t>
-            </a:r>
-            <a:endParaRPr lang="en-US" sz="1400" dirty="0"/>
-          </a:p>
-        </p:txBody>
-      </p:sp>
-      <p:sp>
-        <p:nvSpPr>
-          <p:cNvPr id="14" name="Shape 12"/>
-          <p:cNvSpPr/>
-          <p:nvPr/>
-        </p:nvSpPr>
-        <p:spPr>
-          <a:xfrm>
-            <a:off x="6309360" y="3977640"/>
-            <a:ext cx="5349240" cy="2148840"/>
-          </a:xfrm>
-          <a:prstGeom prst="roundRect">
-            <a:avLst/>
-          </a:prstGeom>
-          <a:solidFill>
-            <a:srgbClr val="0B2A4A"/>
-          </a:solidFill>
-          <a:ln w="12700">
-            <a:solidFill>
-              <a:srgbClr val="123B5A"/>
-            </a:solidFill>
-            <a:prstDash val="solid"/>
-          </a:ln>
-          <a:effectLst>
-            <a:outerShdw blurRad="38100" dist="19050" dir="2700000" algn="bl" rotWithShape="0">
-              <a:srgbClr val="000000">
-                <a:alpha val="25000"/>
-              </a:srgbClr>
-            </a:outerShdw>
-          </a:effectLst>
-        </p:spPr>
-        <p:txBody>
-          <a:bodyPr/>
-          <a:lstStyle/>
-          <a:p>
-            <a:endParaRPr lang="en-US"/>
-          </a:p>
-        </p:txBody>
-      </p:sp>
-      <p:sp>
-        <p:nvSpPr>
-          <p:cNvPr id="15" name="Shape 13"/>
-          <p:cNvSpPr/>
-          <p:nvPr/>
-        </p:nvSpPr>
-        <p:spPr>
-          <a:xfrm>
-            <a:off x="6309360" y="3977640"/>
-            <a:ext cx="109728" cy="2148840"/>
-          </a:xfrm>
-          <a:prstGeom prst="rect">
-            <a:avLst/>
-          </a:prstGeom>
-          <a:solidFill>
-            <a:srgbClr val="21C7D9"/>
-          </a:solidFill>
-          <a:ln w="12700">
-            <a:solidFill>
-              <a:srgbClr val="21C7D9"/>
-            </a:solidFill>
-            <a:prstDash val="solid"/>
-          </a:ln>
-        </p:spPr>
-        <p:txBody>
-          <a:bodyPr/>
-          <a:lstStyle/>
-          <a:p>
-            <a:endParaRPr lang="en-US"/>
-          </a:p>
-        </p:txBody>
-      </p:sp>
-      <p:sp>
-        <p:nvSpPr>
-          <p:cNvPr id="16" name="Text 14"/>
-          <p:cNvSpPr/>
-          <p:nvPr/>
-        </p:nvSpPr>
-        <p:spPr>
-          <a:xfrm>
-            <a:off x="6510528" y="4142232"/>
-            <a:ext cx="5029200" cy="320040"/>
-          </a:xfrm>
-          <a:prstGeom prst="rect">
-            <a:avLst/>
-          </a:prstGeom>
-          <a:noFill/>
-          <a:ln/>
-        </p:spPr>
-        <p:txBody>
-          <a:bodyPr wrap="square" rtlCol="0" anchor="ctr"/>
-          <a:lstStyle/>
-          <a:p>
-            <a:pPr marL="0" indent="0">
-              <a:buNone/>
-            </a:pPr>
-            <a:r>
-              <a:rPr lang="en-US" sz="1800" b="1" dirty="0">
-                <a:solidFill>
-                  <a:srgbClr val="FFFFFF"/>
-                </a:solidFill>
-                <a:latin typeface="Aptos Display" pitchFamily="34" charset="0"/>
-                <a:ea typeface="Aptos Display" pitchFamily="34" charset="-122"/>
-                <a:cs typeface="Aptos Display" pitchFamily="34" charset="-120"/>
-              </a:rPr>
-              <a:t>Failure modes you prevented</a:t>
-            </a:r>
-            <a:endParaRPr lang="en-US" sz="1800" dirty="0"/>
-          </a:p>
-        </p:txBody>
-      </p:sp>
-      <p:sp>
-        <p:nvSpPr>
-          <p:cNvPr id="17" name="Text 15"/>
-          <p:cNvSpPr/>
-          <p:nvPr/>
-        </p:nvSpPr>
-        <p:spPr>
-          <a:xfrm>
-            <a:off x="6510528" y="4526280"/>
-            <a:ext cx="5029200" cy="1463040"/>
-          </a:xfrm>
-          <a:prstGeom prst="rect">
-            <a:avLst/>
-          </a:prstGeom>
-          <a:noFill/>
-          <a:ln/>
-        </p:spPr>
-        <p:txBody>
-          <a:bodyPr wrap="square" rtlCol="0" anchor="t"/>
-          <a:lstStyle/>
-          <a:p>
-            <a:pPr marL="0" indent="0">
-              <a:buNone/>
-            </a:pPr>
-            <a:r>
-              <a:rPr lang="en-US" sz="1400" dirty="0">
-                <a:solidFill>
-                  <a:srgbClr val="D8E8F6"/>
-                </a:solidFill>
-                <a:latin typeface="Aptos" pitchFamily="34" charset="0"/>
-                <a:ea typeface="Aptos" pitchFamily="34" charset="-122"/>
-                <a:cs typeface="Aptos" pitchFamily="34" charset="-120"/>
-              </a:rPr>
-              <a:t>• Edge fall-off</a:t>
-            </a:r>
-            <a:endParaRPr lang="en-US" sz="1400" dirty="0"/>
-          </a:p>
-          <a:p>
-            <a:pPr marL="0" indent="0">
-              <a:buNone/>
-            </a:pPr>
-            <a:r>
-              <a:rPr lang="en-US" sz="1400" dirty="0">
-                <a:solidFill>
-                  <a:srgbClr val="D8E8F6"/>
-                </a:solidFill>
-                <a:latin typeface="Aptos" pitchFamily="34" charset="0"/>
-                <a:ea typeface="Aptos" pitchFamily="34" charset="-122"/>
-                <a:cs typeface="Aptos" pitchFamily="34" charset="-120"/>
-              </a:rPr>
-              <a:t>• Head-on collisions</a:t>
-            </a:r>
-            <a:endParaRPr lang="en-US" sz="1400" dirty="0"/>
-          </a:p>
-          <a:p>
-            <a:pPr marL="0" indent="0">
-              <a:buNone/>
-            </a:pPr>
-            <a:r>
-              <a:rPr lang="en-US" sz="1400" dirty="0">
-                <a:solidFill>
-                  <a:srgbClr val="D8E8F6"/>
-                </a:solidFill>
-                <a:latin typeface="Aptos" pitchFamily="34" charset="0"/>
-                <a:ea typeface="Aptos" pitchFamily="34" charset="-122"/>
-                <a:cs typeface="Aptos" pitchFamily="34" charset="-120"/>
-              </a:rPr>
-              <a:t>• Two cars merging into one cell</a:t>
-            </a:r>
-            <a:endParaRPr lang="en-US" sz="1400" dirty="0"/>
-          </a:p>
-          <a:p>
-            <a:pPr marL="0" indent="0">
-              <a:buNone/>
-            </a:pPr>
-            <a:r>
-              <a:rPr lang="en-US" sz="1400" dirty="0">
-                <a:solidFill>
-                  <a:srgbClr val="D8E8F6"/>
-                </a:solidFill>
-                <a:latin typeface="Aptos" pitchFamily="34" charset="0"/>
-                <a:ea typeface="Aptos" pitchFamily="34" charset="-122"/>
-                <a:cs typeface="Aptos" pitchFamily="34" charset="-120"/>
-              </a:rPr>
-              <a:t>• Long-term gridlock</a:t>
-            </a:r>
-            <a:endParaRPr lang="en-US" sz="1400" dirty="0"/>
-          </a:p>
-        </p:txBody>
-      </p:sp>
-    </p:spTree>
-  </p:cSld>
-  <p:clrMapOvr>
-    <a:masterClrMapping/>
-  </p:clrMapOvr>
-</p:sld>
-</file>
-
-<file path=ppt/slides/slide11.xml><?xml version="1.0" encoding="utf-8"?>
-<p:sld xmlns:a="http://schemas.openxmlformats.org/drawingml/2006/main" xmlns:r="http://schemas.openxmlformats.org/officeDocument/2006/relationships" xmlns:p="http://schemas.openxmlformats.org/presentationml/2006/main">
-  <p:cSld name="Slide 13">
-    <p:bg>
-      <p:bgPr>
-        <a:solidFill>
-          <a:srgbClr val="071B2D"/>
-        </a:solidFill>
-        <a:effectLst/>
-      </p:bgPr>
-    </p:bg>
-    <p:spTree>
-      <p:nvGrpSpPr>
-        <p:cNvPr id="1" name=""/>
-        <p:cNvGrpSpPr/>
-        <p:nvPr/>
-      </p:nvGrpSpPr>
-      <p:grpSpPr>
-        <a:xfrm>
-          <a:off x="0" y="0"/>
-          <a:ext cx="0" cy="0"/>
-          <a:chOff x="0" y="0"/>
-          <a:chExt cx="0" cy="0"/>
-        </a:xfrm>
-      </p:grpSpPr>
-      <p:sp>
-        <p:nvSpPr>
-          <p:cNvPr id="2" name="Shape 0"/>
-          <p:cNvSpPr/>
-          <p:nvPr/>
-        </p:nvSpPr>
-        <p:spPr>
-          <a:xfrm>
-            <a:off x="0" y="0"/>
-            <a:ext cx="12191695" cy="320040"/>
-          </a:xfrm>
-          <a:prstGeom prst="rect">
-            <a:avLst/>
-          </a:prstGeom>
-          <a:solidFill>
-            <a:srgbClr val="0B2A4A"/>
-          </a:solidFill>
-          <a:ln/>
-        </p:spPr>
-        <p:txBody>
-          <a:bodyPr/>
-          <a:lstStyle/>
-          <a:p>
-            <a:endParaRPr lang="en-US"/>
-          </a:p>
-        </p:txBody>
-      </p:sp>
-      <p:sp>
-        <p:nvSpPr>
-          <p:cNvPr id="3" name="Shape 1"/>
-          <p:cNvSpPr/>
-          <p:nvPr/>
-        </p:nvSpPr>
-        <p:spPr>
-          <a:xfrm>
-            <a:off x="0" y="0"/>
-            <a:ext cx="164592" cy="6858000"/>
-          </a:xfrm>
-          <a:prstGeom prst="rect">
-            <a:avLst/>
-          </a:prstGeom>
-          <a:solidFill>
-            <a:srgbClr val="21C7D9"/>
-          </a:solidFill>
-          <a:ln/>
-        </p:spPr>
-        <p:txBody>
-          <a:bodyPr/>
-          <a:lstStyle/>
-          <a:p>
-            <a:endParaRPr lang="en-US"/>
-          </a:p>
-        </p:txBody>
-      </p:sp>
-      <p:sp>
-        <p:nvSpPr>
-          <p:cNvPr id="4" name="Text 2"/>
-          <p:cNvSpPr/>
-          <p:nvPr/>
-        </p:nvSpPr>
-        <p:spPr>
-          <a:xfrm>
-            <a:off x="731520" y="914400"/>
-            <a:ext cx="10972800" cy="914400"/>
-          </a:xfrm>
-          <a:prstGeom prst="rect">
-            <a:avLst/>
-          </a:prstGeom>
-          <a:noFill/>
-          <a:ln/>
-        </p:spPr>
-        <p:txBody>
-          <a:bodyPr wrap="square" rtlCol="0" anchor="ctr"/>
-          <a:lstStyle/>
-          <a:p>
-            <a:pPr marL="0" indent="0">
-              <a:buNone/>
-            </a:pPr>
-            <a:r>
-              <a:rPr lang="en-US" sz="4400" b="1" dirty="0">
-                <a:solidFill>
-                  <a:srgbClr val="FFFFFF"/>
-                </a:solidFill>
-                <a:latin typeface="Aptos Display" pitchFamily="34" charset="0"/>
-                <a:ea typeface="Aptos Display" pitchFamily="34" charset="-122"/>
-                <a:cs typeface="Aptos Display" pitchFamily="34" charset="-120"/>
-              </a:rPr>
-              <a:t>Q&amp;A</a:t>
-            </a:r>
-            <a:endParaRPr lang="en-US" sz="4400" dirty="0"/>
-          </a:p>
-        </p:txBody>
-      </p:sp>
-      <p:sp>
-        <p:nvSpPr>
-          <p:cNvPr id="5" name="Text 3"/>
-          <p:cNvSpPr/>
-          <p:nvPr/>
-        </p:nvSpPr>
-        <p:spPr>
-          <a:xfrm>
-            <a:off x="749808" y="1828800"/>
-            <a:ext cx="9601200" cy="457200"/>
-          </a:xfrm>
-          <a:prstGeom prst="rect">
-            <a:avLst/>
-          </a:prstGeom>
-          <a:noFill/>
-          <a:ln/>
-        </p:spPr>
-        <p:txBody>
-          <a:bodyPr wrap="square" rtlCol="0" anchor="ctr"/>
-          <a:lstStyle/>
-          <a:p>
-            <a:pPr marL="0" indent="0">
-              <a:buNone/>
-            </a:pPr>
-            <a:r>
-              <a:rPr lang="en-US" sz="1800" dirty="0">
-                <a:solidFill>
-                  <a:srgbClr val="BFD5E6"/>
-                </a:solidFill>
-                <a:latin typeface="Aptos" pitchFamily="34" charset="0"/>
-                <a:ea typeface="Aptos" pitchFamily="34" charset="-122"/>
-                <a:cs typeface="Aptos" pitchFamily="34" charset="-120"/>
-              </a:rPr>
-              <a:t>Happy to walk through a tricky tick or conflict example</a:t>
-            </a:r>
-            <a:endParaRPr lang="en-US" sz="1800" dirty="0"/>
-          </a:p>
-        </p:txBody>
-      </p:sp>
-      <p:sp>
-        <p:nvSpPr>
-          <p:cNvPr id="6" name="Shape 4"/>
-          <p:cNvSpPr/>
-          <p:nvPr/>
-        </p:nvSpPr>
-        <p:spPr>
-          <a:xfrm>
-            <a:off x="8366760" y="2743200"/>
-            <a:ext cx="3246120" cy="3246120"/>
-          </a:xfrm>
-          <a:prstGeom prst="rect">
-            <a:avLst/>
-          </a:prstGeom>
-          <a:solidFill>
-            <a:srgbClr val="061A2B"/>
-          </a:solidFill>
-          <a:ln w="12700">
-            <a:solidFill>
-              <a:srgbClr val="123B5A">
-                <a:alpha val="30000"/>
-              </a:srgbClr>
-            </a:solidFill>
-            <a:prstDash val="solid"/>
-          </a:ln>
-        </p:spPr>
-        <p:txBody>
-          <a:bodyPr/>
-          <a:lstStyle/>
-          <a:p>
-            <a:endParaRPr lang="en-US"/>
-          </a:p>
-        </p:txBody>
-      </p:sp>
-      <p:sp>
-        <p:nvSpPr>
-          <p:cNvPr id="7" name="Shape 5"/>
-          <p:cNvSpPr/>
-          <p:nvPr/>
-        </p:nvSpPr>
-        <p:spPr>
-          <a:xfrm>
-            <a:off x="8691372" y="2743200"/>
-            <a:ext cx="0" cy="3246120"/>
-          </a:xfrm>
-          <a:prstGeom prst="line">
-            <a:avLst/>
-          </a:prstGeom>
-          <a:noFill/>
-          <a:ln w="12700">
-            <a:solidFill>
-              <a:srgbClr val="123B5A">
-                <a:alpha val="18000"/>
-              </a:srgbClr>
-            </a:solidFill>
-            <a:prstDash val="solid"/>
-          </a:ln>
-        </p:spPr>
-        <p:txBody>
-          <a:bodyPr/>
-          <a:lstStyle/>
-          <a:p>
-            <a:endParaRPr lang="en-US"/>
-          </a:p>
-        </p:txBody>
-      </p:sp>
-      <p:sp>
-        <p:nvSpPr>
-          <p:cNvPr id="8" name="Shape 6"/>
-          <p:cNvSpPr/>
-          <p:nvPr/>
-        </p:nvSpPr>
-        <p:spPr>
-          <a:xfrm>
-            <a:off x="8366760" y="3067812"/>
-            <a:ext cx="3246120" cy="0"/>
-          </a:xfrm>
-          <a:prstGeom prst="line">
-            <a:avLst/>
-          </a:prstGeom>
-          <a:noFill/>
-          <a:ln w="12700">
-            <a:solidFill>
-              <a:srgbClr val="123B5A">
-                <a:alpha val="18000"/>
-              </a:srgbClr>
-            </a:solidFill>
-            <a:prstDash val="solid"/>
-          </a:ln>
-        </p:spPr>
-        <p:txBody>
-          <a:bodyPr/>
-          <a:lstStyle/>
-          <a:p>
-            <a:endParaRPr lang="en-US"/>
-          </a:p>
-        </p:txBody>
-      </p:sp>
-      <p:sp>
-        <p:nvSpPr>
-          <p:cNvPr id="9" name="Shape 7"/>
-          <p:cNvSpPr/>
-          <p:nvPr/>
-        </p:nvSpPr>
-        <p:spPr>
-          <a:xfrm>
-            <a:off x="9015984" y="2743200"/>
-            <a:ext cx="0" cy="3246120"/>
-          </a:xfrm>
-          <a:prstGeom prst="line">
-            <a:avLst/>
-          </a:prstGeom>
-          <a:noFill/>
-          <a:ln w="12700">
-            <a:solidFill>
-              <a:srgbClr val="123B5A">
-                <a:alpha val="18000"/>
-              </a:srgbClr>
-            </a:solidFill>
-            <a:prstDash val="solid"/>
-          </a:ln>
-        </p:spPr>
-        <p:txBody>
-          <a:bodyPr/>
-          <a:lstStyle/>
-          <a:p>
-            <a:endParaRPr lang="en-US"/>
-          </a:p>
-        </p:txBody>
-      </p:sp>
-      <p:sp>
-        <p:nvSpPr>
-          <p:cNvPr id="10" name="Shape 8"/>
-          <p:cNvSpPr/>
-          <p:nvPr/>
-        </p:nvSpPr>
-        <p:spPr>
-          <a:xfrm>
-            <a:off x="8366760" y="3392424"/>
-            <a:ext cx="3246120" cy="0"/>
-          </a:xfrm>
-          <a:prstGeom prst="line">
-            <a:avLst/>
-          </a:prstGeom>
-          <a:noFill/>
-          <a:ln w="12700">
-            <a:solidFill>
-              <a:srgbClr val="123B5A">
-                <a:alpha val="18000"/>
-              </a:srgbClr>
-            </a:solidFill>
-            <a:prstDash val="solid"/>
-          </a:ln>
-        </p:spPr>
-        <p:txBody>
-          <a:bodyPr/>
-          <a:lstStyle/>
-          <a:p>
-            <a:endParaRPr lang="en-US"/>
-          </a:p>
-        </p:txBody>
-      </p:sp>
-      <p:sp>
-        <p:nvSpPr>
-          <p:cNvPr id="11" name="Shape 9"/>
-          <p:cNvSpPr/>
-          <p:nvPr/>
-        </p:nvSpPr>
-        <p:spPr>
-          <a:xfrm>
-            <a:off x="9340596" y="2743200"/>
-            <a:ext cx="0" cy="3246120"/>
-          </a:xfrm>
-          <a:prstGeom prst="line">
-            <a:avLst/>
-          </a:prstGeom>
-          <a:noFill/>
-          <a:ln w="12700">
-            <a:solidFill>
-              <a:srgbClr val="123B5A">
-                <a:alpha val="18000"/>
-              </a:srgbClr>
-            </a:solidFill>
-            <a:prstDash val="solid"/>
-          </a:ln>
-        </p:spPr>
-        <p:txBody>
-          <a:bodyPr/>
-          <a:lstStyle/>
-          <a:p>
-            <a:endParaRPr lang="en-US"/>
-          </a:p>
-        </p:txBody>
-      </p:sp>
-      <p:sp>
-        <p:nvSpPr>
-          <p:cNvPr id="12" name="Shape 10"/>
-          <p:cNvSpPr/>
-          <p:nvPr/>
-        </p:nvSpPr>
-        <p:spPr>
-          <a:xfrm>
-            <a:off x="8366760" y="3717036"/>
-            <a:ext cx="3246120" cy="0"/>
-          </a:xfrm>
-          <a:prstGeom prst="line">
-            <a:avLst/>
-          </a:prstGeom>
-          <a:noFill/>
-          <a:ln w="12700">
-            <a:solidFill>
-              <a:srgbClr val="123B5A">
-                <a:alpha val="18000"/>
-              </a:srgbClr>
-            </a:solidFill>
-            <a:prstDash val="solid"/>
-          </a:ln>
-        </p:spPr>
-        <p:txBody>
-          <a:bodyPr/>
-          <a:lstStyle/>
-          <a:p>
-            <a:endParaRPr lang="en-US"/>
-          </a:p>
-        </p:txBody>
-      </p:sp>
-      <p:sp>
-        <p:nvSpPr>
-          <p:cNvPr id="13" name="Shape 11"/>
-          <p:cNvSpPr/>
-          <p:nvPr/>
-        </p:nvSpPr>
-        <p:spPr>
-          <a:xfrm>
-            <a:off x="9665208" y="2743200"/>
-            <a:ext cx="0" cy="3246120"/>
-          </a:xfrm>
-          <a:prstGeom prst="line">
-            <a:avLst/>
-          </a:prstGeom>
-          <a:noFill/>
-          <a:ln w="12700">
-            <a:solidFill>
-              <a:srgbClr val="123B5A">
-                <a:alpha val="18000"/>
-              </a:srgbClr>
-            </a:solidFill>
-            <a:prstDash val="solid"/>
-          </a:ln>
-        </p:spPr>
-        <p:txBody>
-          <a:bodyPr/>
-          <a:lstStyle/>
-          <a:p>
-            <a:endParaRPr lang="en-US"/>
-          </a:p>
-        </p:txBody>
-      </p:sp>
-      <p:sp>
-        <p:nvSpPr>
-          <p:cNvPr id="14" name="Shape 12"/>
-          <p:cNvSpPr/>
-          <p:nvPr/>
-        </p:nvSpPr>
-        <p:spPr>
-          <a:xfrm>
-            <a:off x="8366760" y="4041648"/>
-            <a:ext cx="3246120" cy="0"/>
-          </a:xfrm>
-          <a:prstGeom prst="line">
-            <a:avLst/>
-          </a:prstGeom>
-          <a:noFill/>
-          <a:ln w="12700">
-            <a:solidFill>
-              <a:srgbClr val="123B5A">
-                <a:alpha val="18000"/>
-              </a:srgbClr>
-            </a:solidFill>
-            <a:prstDash val="solid"/>
-          </a:ln>
-        </p:spPr>
-        <p:txBody>
-          <a:bodyPr/>
-          <a:lstStyle/>
-          <a:p>
-            <a:endParaRPr lang="en-US"/>
-          </a:p>
-        </p:txBody>
-      </p:sp>
-      <p:sp>
-        <p:nvSpPr>
-          <p:cNvPr id="15" name="Shape 13"/>
-          <p:cNvSpPr/>
-          <p:nvPr/>
-        </p:nvSpPr>
-        <p:spPr>
-          <a:xfrm>
-            <a:off x="9989820" y="2743200"/>
-            <a:ext cx="0" cy="3246120"/>
-          </a:xfrm>
-          <a:prstGeom prst="line">
-            <a:avLst/>
-          </a:prstGeom>
-          <a:noFill/>
-          <a:ln w="12700">
-            <a:solidFill>
-              <a:srgbClr val="123B5A">
-                <a:alpha val="18000"/>
-              </a:srgbClr>
-            </a:solidFill>
-            <a:prstDash val="solid"/>
-          </a:ln>
-        </p:spPr>
-        <p:txBody>
-          <a:bodyPr/>
-          <a:lstStyle/>
-          <a:p>
-            <a:endParaRPr lang="en-US"/>
-          </a:p>
-        </p:txBody>
-      </p:sp>
-      <p:sp>
-        <p:nvSpPr>
-          <p:cNvPr id="16" name="Shape 14"/>
-          <p:cNvSpPr/>
-          <p:nvPr/>
-        </p:nvSpPr>
-        <p:spPr>
-          <a:xfrm>
-            <a:off x="8366760" y="4366260"/>
-            <a:ext cx="3246120" cy="0"/>
-          </a:xfrm>
-          <a:prstGeom prst="line">
-            <a:avLst/>
-          </a:prstGeom>
-          <a:noFill/>
-          <a:ln w="12700">
-            <a:solidFill>
-              <a:srgbClr val="123B5A">
-                <a:alpha val="18000"/>
-              </a:srgbClr>
-            </a:solidFill>
-            <a:prstDash val="solid"/>
-          </a:ln>
-        </p:spPr>
-        <p:txBody>
-          <a:bodyPr/>
-          <a:lstStyle/>
-          <a:p>
-            <a:endParaRPr lang="en-US"/>
-          </a:p>
-        </p:txBody>
-      </p:sp>
-      <p:sp>
-        <p:nvSpPr>
-          <p:cNvPr id="17" name="Shape 15"/>
-          <p:cNvSpPr/>
-          <p:nvPr/>
-        </p:nvSpPr>
-        <p:spPr>
-          <a:xfrm>
-            <a:off x="10314432" y="2743200"/>
-            <a:ext cx="0" cy="3246120"/>
-          </a:xfrm>
-          <a:prstGeom prst="line">
-            <a:avLst/>
-          </a:prstGeom>
-          <a:noFill/>
-          <a:ln w="12700">
-            <a:solidFill>
-              <a:srgbClr val="123B5A">
-                <a:alpha val="18000"/>
-              </a:srgbClr>
-            </a:solidFill>
-            <a:prstDash val="solid"/>
-          </a:ln>
-        </p:spPr>
-        <p:txBody>
-          <a:bodyPr/>
-          <a:lstStyle/>
-          <a:p>
-            <a:endParaRPr lang="en-US"/>
-          </a:p>
-        </p:txBody>
-      </p:sp>
-      <p:sp>
-        <p:nvSpPr>
-          <p:cNvPr id="18" name="Shape 16"/>
-          <p:cNvSpPr/>
-          <p:nvPr/>
-        </p:nvSpPr>
-        <p:spPr>
-          <a:xfrm>
-            <a:off x="8366760" y="4690872"/>
-            <a:ext cx="3246120" cy="0"/>
-          </a:xfrm>
-          <a:prstGeom prst="line">
-            <a:avLst/>
-          </a:prstGeom>
-          <a:noFill/>
-          <a:ln w="12700">
-            <a:solidFill>
-              <a:srgbClr val="123B5A">
-                <a:alpha val="18000"/>
-              </a:srgbClr>
-            </a:solidFill>
-            <a:prstDash val="solid"/>
-          </a:ln>
-        </p:spPr>
-        <p:txBody>
-          <a:bodyPr/>
-          <a:lstStyle/>
-          <a:p>
-            <a:endParaRPr lang="en-US"/>
-          </a:p>
-        </p:txBody>
-      </p:sp>
-      <p:sp>
-        <p:nvSpPr>
-          <p:cNvPr id="19" name="Shape 17"/>
-          <p:cNvSpPr/>
-          <p:nvPr/>
-        </p:nvSpPr>
-        <p:spPr>
-          <a:xfrm>
-            <a:off x="10639044" y="2743200"/>
-            <a:ext cx="0" cy="3246120"/>
-          </a:xfrm>
-          <a:prstGeom prst="line">
-            <a:avLst/>
-          </a:prstGeom>
-          <a:noFill/>
-          <a:ln w="12700">
-            <a:solidFill>
-              <a:srgbClr val="123B5A">
-                <a:alpha val="18000"/>
-              </a:srgbClr>
-            </a:solidFill>
-            <a:prstDash val="solid"/>
-          </a:ln>
-        </p:spPr>
-        <p:txBody>
-          <a:bodyPr/>
-          <a:lstStyle/>
-          <a:p>
-            <a:endParaRPr lang="en-US"/>
-          </a:p>
-        </p:txBody>
-      </p:sp>
-      <p:sp>
-        <p:nvSpPr>
-          <p:cNvPr id="20" name="Shape 18"/>
-          <p:cNvSpPr/>
-          <p:nvPr/>
-        </p:nvSpPr>
-        <p:spPr>
-          <a:xfrm>
-            <a:off x="8366760" y="5015484"/>
-            <a:ext cx="3246120" cy="0"/>
-          </a:xfrm>
-          <a:prstGeom prst="line">
-            <a:avLst/>
-          </a:prstGeom>
-          <a:noFill/>
-          <a:ln w="12700">
-            <a:solidFill>
-              <a:srgbClr val="123B5A">
-                <a:alpha val="18000"/>
-              </a:srgbClr>
-            </a:solidFill>
-            <a:prstDash val="solid"/>
-          </a:ln>
-        </p:spPr>
-        <p:txBody>
-          <a:bodyPr/>
-          <a:lstStyle/>
-          <a:p>
-            <a:endParaRPr lang="en-US"/>
-          </a:p>
-        </p:txBody>
-      </p:sp>
-      <p:sp>
-        <p:nvSpPr>
-          <p:cNvPr id="21" name="Shape 19"/>
-          <p:cNvSpPr/>
-          <p:nvPr/>
-        </p:nvSpPr>
-        <p:spPr>
-          <a:xfrm>
-            <a:off x="10963656" y="2743200"/>
-            <a:ext cx="0" cy="3246120"/>
-          </a:xfrm>
-          <a:prstGeom prst="line">
-            <a:avLst/>
-          </a:prstGeom>
-          <a:noFill/>
-          <a:ln w="12700">
-            <a:solidFill>
-              <a:srgbClr val="123B5A">
-                <a:alpha val="18000"/>
-              </a:srgbClr>
-            </a:solidFill>
-            <a:prstDash val="solid"/>
-          </a:ln>
-        </p:spPr>
-        <p:txBody>
-          <a:bodyPr/>
-          <a:lstStyle/>
-          <a:p>
-            <a:endParaRPr lang="en-US"/>
-          </a:p>
-        </p:txBody>
-      </p:sp>
-      <p:sp>
-        <p:nvSpPr>
-          <p:cNvPr id="22" name="Shape 20"/>
-          <p:cNvSpPr/>
-          <p:nvPr/>
-        </p:nvSpPr>
-        <p:spPr>
-          <a:xfrm>
-            <a:off x="8366760" y="5340096"/>
-            <a:ext cx="3246120" cy="0"/>
-          </a:xfrm>
-          <a:prstGeom prst="line">
-            <a:avLst/>
-          </a:prstGeom>
-          <a:noFill/>
-          <a:ln w="12700">
-            <a:solidFill>
-              <a:srgbClr val="123B5A">
-                <a:alpha val="18000"/>
-              </a:srgbClr>
-            </a:solidFill>
-            <a:prstDash val="solid"/>
-          </a:ln>
-        </p:spPr>
-        <p:txBody>
-          <a:bodyPr/>
-          <a:lstStyle/>
-          <a:p>
-            <a:endParaRPr lang="en-US"/>
-          </a:p>
-        </p:txBody>
-      </p:sp>
-      <p:sp>
-        <p:nvSpPr>
-          <p:cNvPr id="23" name="Shape 21"/>
-          <p:cNvSpPr/>
-          <p:nvPr/>
-        </p:nvSpPr>
-        <p:spPr>
-          <a:xfrm>
-            <a:off x="11288268" y="2743200"/>
-            <a:ext cx="0" cy="3246120"/>
-          </a:xfrm>
-          <a:prstGeom prst="line">
-            <a:avLst/>
-          </a:prstGeom>
-          <a:noFill/>
-          <a:ln w="12700">
-            <a:solidFill>
-              <a:srgbClr val="123B5A">
-                <a:alpha val="18000"/>
-              </a:srgbClr>
-            </a:solidFill>
-            <a:prstDash val="solid"/>
-          </a:ln>
-        </p:spPr>
-        <p:txBody>
-          <a:bodyPr/>
-          <a:lstStyle/>
-          <a:p>
-            <a:endParaRPr lang="en-US"/>
-          </a:p>
-        </p:txBody>
-      </p:sp>
-      <p:sp>
-        <p:nvSpPr>
-          <p:cNvPr id="24" name="Shape 22"/>
-          <p:cNvSpPr/>
-          <p:nvPr/>
-        </p:nvSpPr>
-        <p:spPr>
-          <a:xfrm>
-            <a:off x="8366760" y="5664708"/>
-            <a:ext cx="3246120" cy="0"/>
-          </a:xfrm>
-          <a:prstGeom prst="line">
-            <a:avLst/>
-          </a:prstGeom>
-          <a:noFill/>
-          <a:ln w="12700">
-            <a:solidFill>
-              <a:srgbClr val="123B5A">
-                <a:alpha val="18000"/>
-              </a:srgbClr>
-            </a:solidFill>
-            <a:prstDash val="solid"/>
-          </a:ln>
-        </p:spPr>
-        <p:txBody>
-          <a:bodyPr/>
-          <a:lstStyle/>
-          <a:p>
-            <a:endParaRPr lang="en-US"/>
-          </a:p>
-        </p:txBody>
-      </p:sp>
-      <p:sp>
-        <p:nvSpPr>
-          <p:cNvPr id="25" name="Text 23"/>
-          <p:cNvSpPr/>
-          <p:nvPr/>
-        </p:nvSpPr>
-        <p:spPr>
-          <a:xfrm>
-            <a:off x="749808" y="6263640"/>
-            <a:ext cx="10972800" cy="365760"/>
-          </a:xfrm>
-          <a:prstGeom prst="rect">
-            <a:avLst/>
-          </a:prstGeom>
-          <a:noFill/>
-          <a:ln/>
-        </p:spPr>
-        <p:txBody>
-          <a:bodyPr wrap="square" rtlCol="0" anchor="ctr"/>
-          <a:lstStyle/>
-          <a:p>
-            <a:pPr marL="0" indent="0">
-              <a:buNone/>
-            </a:pPr>
-            <a:r>
-              <a:rPr lang="en-US" sz="1400" dirty="0">
-                <a:solidFill>
-                  <a:srgbClr val="8FB7D6"/>
-                </a:solidFill>
-                <a:latin typeface="Aptos" pitchFamily="34" charset="0"/>
-                <a:ea typeface="Aptos" pitchFamily="34" charset="-122"/>
-                <a:cs typeface="Aptos" pitchFamily="34" charset="-120"/>
-              </a:rPr>
-              <a:t>10×10 Grid • 500 cars • Collision-free routing</a:t>
-            </a:r>
-            <a:endParaRPr lang="en-US" sz="1400" dirty="0"/>
-          </a:p>
-        </p:txBody>
-      </p:sp>
-      <p:sp>
-        <p:nvSpPr>
-          <p:cNvPr id="26" name="Text 24"/>
-          <p:cNvSpPr/>
-          <p:nvPr/>
-        </p:nvSpPr>
-        <p:spPr>
-          <a:xfrm>
-            <a:off x="749808" y="2834640"/>
-            <a:ext cx="6400800" cy="365760"/>
-          </a:xfrm>
-          <a:prstGeom prst="rect">
-            <a:avLst/>
-          </a:prstGeom>
-          <a:noFill/>
-          <a:ln/>
-        </p:spPr>
-        <p:txBody>
-          <a:bodyPr wrap="square" rtlCol="0" anchor="ctr"/>
-          <a:lstStyle/>
-          <a:p>
-            <a:pPr marL="0" indent="0">
-              <a:buNone/>
-            </a:pPr>
-            <a:r>
-              <a:rPr lang="en-US" sz="2200" b="1" dirty="0">
-                <a:solidFill>
-                  <a:srgbClr val="FFFFFF"/>
-                </a:solidFill>
-                <a:latin typeface="Aptos Display" pitchFamily="34" charset="0"/>
-                <a:ea typeface="Aptos Display" pitchFamily="34" charset="-122"/>
-                <a:cs typeface="Aptos Display" pitchFamily="34" charset="-120"/>
-              </a:rPr>
-              <a:t>Backup slides you can add:</a:t>
-            </a:r>
-            <a:endParaRPr lang="en-US" sz="2200" dirty="0"/>
-          </a:p>
-        </p:txBody>
-      </p:sp>
-      <p:sp>
-        <p:nvSpPr>
-          <p:cNvPr id="27" name="Text 25"/>
-          <p:cNvSpPr/>
-          <p:nvPr/>
-        </p:nvSpPr>
-        <p:spPr>
-          <a:xfrm>
-            <a:off x="822960" y="3246120"/>
-            <a:ext cx="6858000" cy="1097280"/>
-          </a:xfrm>
-          <a:prstGeom prst="rect">
-            <a:avLst/>
-          </a:prstGeom>
-          <a:noFill/>
-          <a:ln/>
-        </p:spPr>
-        <p:txBody>
-          <a:bodyPr wrap="square" rtlCol="0" anchor="t"/>
-          <a:lstStyle/>
-          <a:p>
-            <a:pPr marL="0" indent="0">
-              <a:buNone/>
-            </a:pPr>
-            <a:r>
-              <a:rPr lang="en-US" sz="1600" dirty="0">
-                <a:solidFill>
-                  <a:srgbClr val="D8E8F6"/>
-                </a:solidFill>
-                <a:latin typeface="Aptos" pitchFamily="34" charset="0"/>
-                <a:ea typeface="Aptos" pitchFamily="34" charset="-122"/>
-                <a:cs typeface="Aptos" pitchFamily="34" charset="-120"/>
-              </a:rPr>
-              <a:t>• A “worst-case” conflict and your tie-break</a:t>
-            </a:r>
-            <a:endParaRPr lang="en-US" sz="1600" dirty="0"/>
-          </a:p>
-          <a:p>
-            <a:pPr marL="0" indent="0">
-              <a:buNone/>
-            </a:pPr>
-            <a:r>
-              <a:rPr lang="en-US" sz="1600" dirty="0">
-                <a:solidFill>
-                  <a:srgbClr val="D8E8F6"/>
-                </a:solidFill>
-                <a:latin typeface="Aptos" pitchFamily="34" charset="0"/>
-                <a:ea typeface="Aptos" pitchFamily="34" charset="-122"/>
-                <a:cs typeface="Aptos" pitchFamily="34" charset="-120"/>
-              </a:rPr>
-              <a:t>• A full tick trace (before → after)</a:t>
-            </a:r>
-            <a:endParaRPr lang="en-US" sz="1600" dirty="0"/>
-          </a:p>
-          <a:p>
-            <a:pPr marL="0" indent="0">
-              <a:buNone/>
-            </a:pPr>
-            <a:r>
-              <a:rPr lang="en-US" sz="1600" dirty="0">
-                <a:solidFill>
-                  <a:srgbClr val="D8E8F6"/>
-                </a:solidFill>
-                <a:latin typeface="Aptos" pitchFamily="34" charset="0"/>
-                <a:ea typeface="Aptos" pitchFamily="34" charset="-122"/>
-                <a:cs typeface="Aptos" pitchFamily="34" charset="-120"/>
-              </a:rPr>
-              <a:t>• Why your activation policy avoids gridlock</a:t>
-            </a:r>
-            <a:endParaRPr lang="en-US" sz="1600" dirty="0"/>
-          </a:p>
-        </p:txBody>
-      </p:sp>
-    </p:spTree>
-  </p:cSld>
-  <p:clrMapOvr>
-    <a:masterClrMapping/>
-  </p:clrMapOvr>
-</p:sld>
-</file>
-
 <file path=ppt/slides/slide2.xml><?xml version="1.0" encoding="utf-8"?>
 <p:sld xmlns:a="http://schemas.openxmlformats.org/drawingml/2006/main" xmlns:r="http://schemas.openxmlformats.org/officeDocument/2006/relationships" xmlns:p="http://schemas.openxmlformats.org/presentationml/2006/main">
   <p:cSld name="Slide 2">
@@ -6107,18 +4297,7 @@
                 <a:ea typeface="Aptos Display" pitchFamily="34" charset="-122"/>
                 <a:cs typeface="Aptos Display" pitchFamily="34" charset="-120"/>
               </a:rPr>
-              <a:t>updateAll(): main logic and </a:t>
-            </a:r>
-            <a:r>
-              <a:rPr lang="en-US" sz="3000" b="1">
-                <a:solidFill>
-                  <a:srgbClr val="FFFFFF"/>
-                </a:solidFill>
-                <a:latin typeface="Aptos Display" pitchFamily="34" charset="0"/>
-                <a:ea typeface="Aptos Display" pitchFamily="34" charset="-122"/>
-                <a:cs typeface="Aptos Display" pitchFamily="34" charset="-120"/>
-              </a:rPr>
-              <a:t>(row, col, tick)</a:t>
+              <a:t>updateAll(): main logic and (row, col, tick)</a:t>
             </a:r>
             <a:endParaRPr lang="en-US" sz="3000" dirty="0"/>
           </a:p>
@@ -6764,45 +4943,6 @@
               <a:t>Update global tick, make cars move.</a:t>
             </a:r>
             <a:endParaRPr lang="en-US" sz="1400" dirty="0"/>
-          </a:p>
-        </p:txBody>
-      </p:sp>
-      <p:sp>
-        <p:nvSpPr>
-          <p:cNvPr id="22" name="Text 20"/>
-          <p:cNvSpPr/>
-          <p:nvPr/>
-        </p:nvSpPr>
-        <p:spPr>
-          <a:xfrm>
-            <a:off x="777240" y="6355080"/>
-            <a:ext cx="10972800" cy="320040"/>
-          </a:xfrm>
-          <a:prstGeom prst="rect">
-            <a:avLst/>
-          </a:prstGeom>
-          <a:noFill/>
-          <a:ln/>
-        </p:spPr>
-        <p:txBody>
-          <a:bodyPr wrap="square" rtlCol="0" anchor="ctr"/>
-          <a:lstStyle/>
-          <a:p>
-            <a:pPr marL="0" indent="0">
-              <a:buNone/>
-            </a:pPr>
-            <a:r>
-              <a:rPr lang="en-US" sz="1300" dirty="0">
-                <a:solidFill>
-                  <a:srgbClr val="7FB1D1"/>
-                </a:solidFill>
-                <a:latin typeface="Aptos" pitchFamily="34" charset="0"/>
-                <a:ea typeface="Aptos" pitchFamily="34" charset="-122"/>
-                <a:cs typeface="Aptos" pitchFamily="34" charset="-120"/>
-              </a:rPr>
-              <a:t>Drop in a screenshot of your actual updateAll() next (see placeholder slides).</a:t>
-            </a:r>
-            <a:endParaRPr lang="en-US" sz="1300" dirty="0"/>
           </a:p>
         </p:txBody>
       </p:sp>
@@ -7067,7 +5207,7 @@
               <a:buNone/>
             </a:pPr>
             <a:r>
-              <a:rPr lang="en-US" sz="1800" b="1" dirty="0">
+              <a:rPr lang="en-US" b="1" dirty="0">
                 <a:solidFill>
                   <a:srgbClr val="FFFFFF"/>
                 </a:solidFill>
@@ -7075,7 +5215,7 @@
                 <a:ea typeface="Aptos Display" pitchFamily="34" charset="-122"/>
                 <a:cs typeface="Aptos Display" pitchFamily="34" charset="-120"/>
               </a:rPr>
-              <a:t>Typical inputs to the decision</a:t>
+              <a:t>Some thoughts</a:t>
             </a:r>
             <a:endParaRPr lang="en-US" sz="1800" dirty="0"/>
           </a:p>
@@ -7131,7 +5271,7 @@
                 <a:ea typeface="Aptos" pitchFamily="34" charset="-122"/>
                 <a:cs typeface="Aptos" pitchFamily="34" charset="-120"/>
               </a:rPr>
-              <a:t>• Is the entering car’s next cell for *this tick* safe?</a:t>
+              <a:t>• Is the entering car’s next cell for this tick safe?</a:t>
             </a:r>
             <a:endParaRPr lang="en-US" sz="1400" dirty="0"/>
           </a:p>
@@ -7258,7 +5398,7 @@
                 <a:ea typeface="Aptos Display" pitchFamily="34" charset="-122"/>
                 <a:cs typeface="Aptos Display" pitchFamily="34" charset="-120"/>
               </a:rPr>
-              <a:t>Fill this with YOUR rule</a:t>
+              <a:t>Logic</a:t>
             </a:r>
             <a:endParaRPr lang="en-US" sz="1800" dirty="0"/>
           </a:p>
@@ -7358,7 +5498,7 @@
               <a:buNone/>
             </a:pPr>
             <a:r>
-              <a:rPr lang="en-US" sz="1800" b="1" dirty="0">
+              <a:rPr lang="en-US" sz="1800" b="1">
                 <a:solidFill>
                   <a:srgbClr val="FFFFFF"/>
                 </a:solidFill>
@@ -7366,7 +5506,7 @@
                 <a:ea typeface="Aptos Display" pitchFamily="34" charset="-122"/>
                 <a:cs typeface="Aptos Display" pitchFamily="34" charset="-120"/>
               </a:rPr>
-              <a:t>Activation pseudocode (replace)</a:t>
+              <a:t>Activation pseudocode</a:t>
             </a:r>
             <a:endParaRPr lang="en-US" sz="1800" dirty="0"/>
           </a:p>
@@ -7380,7 +5520,7 @@
         </p:nvSpPr>
         <p:spPr>
           <a:xfrm>
-            <a:off x="6903720" y="2286000"/>
+            <a:off x="6789420" y="2272284"/>
             <a:ext cx="4572000" cy="3840480"/>
           </a:xfrm>
           <a:prstGeom prst="rect">
@@ -7545,7 +5685,7 @@
                 <a:latin typeface="Consolas" pitchFamily="34" charset="0"/>
                 <a:cs typeface="Consolas" pitchFamily="34" charset="-120"/>
               </a:rPr>
-              <a:t>		break</a:t>
+              <a:t>	    break</a:t>
             </a:r>
           </a:p>
           <a:p>
@@ -7560,7 +5700,7 @@
                 <a:latin typeface="Consolas" pitchFamily="34" charset="0"/>
                 <a:cs typeface="Consolas" pitchFamily="34" charset="-120"/>
               </a:rPr>
-              <a:t>	else:</a:t>
+              <a:t>  else:</a:t>
             </a:r>
           </a:p>
           <a:p>
@@ -7575,7 +5715,7 @@
                 <a:latin typeface="Consolas" pitchFamily="34" charset="0"/>
                 <a:cs typeface="Consolas" pitchFamily="34" charset="-120"/>
               </a:rPr>
-              <a:t>		add car to cohort</a:t>
+              <a:t>       add car to cohort</a:t>
             </a:r>
           </a:p>
           <a:p>
@@ -7590,7 +5730,7 @@
                 <a:latin typeface="Consolas" pitchFamily="34" charset="0"/>
                 <a:cs typeface="Consolas" pitchFamily="34" charset="-120"/>
               </a:rPr>
-              <a:t>		reserve its path</a:t>
+              <a:t>       reserve its path</a:t>
             </a:r>
             <a:endParaRPr lang="en-US" sz="1400" dirty="0"/>
           </a:p>
@@ -8093,6 +6233,45 @@
           </a:p>
         </p:txBody>
       </p:sp>
+      <p:sp>
+        <p:nvSpPr>
+          <p:cNvPr id="18" name="TextBox 17">
+            <a:extLst>
+              <a:ext uri="{FF2B5EF4-FFF2-40B4-BE49-F238E27FC236}">
+                <a16:creationId xmlns:a16="http://schemas.microsoft.com/office/drawing/2014/main" id="{DCCCCD67-4FFA-3C46-C8AF-D1D8E1D89DA0}"/>
+              </a:ext>
+            </a:extLst>
+          </p:cNvPr>
+          <p:cNvSpPr txBox="1"/>
+          <p:nvPr/>
+        </p:nvSpPr>
+        <p:spPr>
+          <a:xfrm>
+            <a:off x="7266457" y="6170414"/>
+            <a:ext cx="2020746" cy="369332"/>
+          </a:xfrm>
+          <a:prstGeom prst="rect">
+            <a:avLst/>
+          </a:prstGeom>
+          <a:noFill/>
+        </p:spPr>
+        <p:txBody>
+          <a:bodyPr wrap="none" rtlCol="0">
+            <a:spAutoFit/>
+          </a:bodyPr>
+          <a:lstStyle/>
+          <a:p>
+            <a:r>
+              <a:rPr lang="en-US" dirty="0">
+                <a:solidFill>
+                  <a:schemeClr val="bg1"/>
+                </a:solidFill>
+              </a:rPr>
+              <a:t>Credit by Wikipedia</a:t>
+            </a:r>
+          </a:p>
+        </p:txBody>
+      </p:sp>
     </p:spTree>
   </p:cSld>
   <p:clrMapOvr>
@@ -8213,7 +6392,18 @@
                 <a:ea typeface="Aptos Display" pitchFamily="34" charset="-122"/>
                 <a:cs typeface="Aptos Display" pitchFamily="34" charset="-120"/>
               </a:rPr>
-              <a:t>Some visualizations</a:t>
+              <a:t>Some visualizations (</a:t>
+            </a:r>
+            <a:r>
+              <a:rPr lang="en-US" sz="3000" b="1">
+                <a:solidFill>
+                  <a:srgbClr val="FFFFFF"/>
+                </a:solidFill>
+                <a:latin typeface="Aptos Display" pitchFamily="34" charset="0"/>
+                <a:ea typeface="Aptos Display" pitchFamily="34" charset="-122"/>
+                <a:cs typeface="Aptos Display" pitchFamily="34" charset="-120"/>
+              </a:rPr>
+              <a:t>500 simulations)</a:t>
             </a:r>
             <a:endParaRPr lang="en-US" sz="3000" dirty="0"/>
           </a:p>
@@ -8679,7 +6869,7 @@
 
 <file path=ppt/slides/slide9.xml><?xml version="1.0" encoding="utf-8"?>
 <p:sld xmlns:a="http://schemas.openxmlformats.org/drawingml/2006/main" xmlns:r="http://schemas.openxmlformats.org/officeDocument/2006/relationships" xmlns:p="http://schemas.openxmlformats.org/presentationml/2006/main">
-  <p:cSld name="Slide 11">
+  <p:cSld name="Slide 12">
     <p:bg>
       <p:bgPr>
         <a:solidFill>
@@ -8789,7 +6979,7 @@
                 <a:ea typeface="Aptos Display" pitchFamily="34" charset="-122"/>
                 <a:cs typeface="Aptos Display" pitchFamily="34" charset="-120"/>
               </a:rPr>
-              <a:t>Placeholder: simulation snapshot</a:t>
+              <a:t>Results &amp; performance</a:t>
             </a:r>
             <a:endParaRPr lang="en-US" sz="3000" dirty="0"/>
           </a:p>
@@ -8828,173 +7018,9 @@
                 <a:ea typeface="Aptos" pitchFamily="34" charset="-122"/>
                 <a:cs typeface="Aptos" pitchFamily="34" charset="-120"/>
               </a:rPr>
-              <a:t>Insert a screenshot/GIF frame showing cars moving (optional: annotate lanes)</a:t>
+              <a:t>Let’s Demonstrate!</a:t>
             </a:r>
             <a:endParaRPr lang="en-US" sz="1400" dirty="0"/>
-          </a:p>
-        </p:txBody>
-      </p:sp>
-      <p:sp>
-        <p:nvSpPr>
-          <p:cNvPr id="6" name="Shape 4"/>
-          <p:cNvSpPr/>
-          <p:nvPr/>
-        </p:nvSpPr>
-        <p:spPr>
-          <a:xfrm>
-            <a:off x="11841480" y="0"/>
-            <a:ext cx="347472" cy="6858000"/>
-          </a:xfrm>
-          <a:prstGeom prst="rect">
-            <a:avLst/>
-          </a:prstGeom>
-          <a:solidFill>
-            <a:srgbClr val="0B2A4A"/>
-          </a:solidFill>
-          <a:ln/>
-        </p:spPr>
-        <p:txBody>
-          <a:bodyPr/>
-          <a:lstStyle/>
-          <a:p>
-            <a:endParaRPr lang="en-US"/>
-          </a:p>
-        </p:txBody>
-      </p:sp>
-      <p:sp>
-        <p:nvSpPr>
-          <p:cNvPr id="7" name="Shape 5"/>
-          <p:cNvSpPr/>
-          <p:nvPr/>
-        </p:nvSpPr>
-        <p:spPr>
-          <a:xfrm>
-            <a:off x="11841480" y="0"/>
-            <a:ext cx="73152" cy="6858000"/>
-          </a:xfrm>
-          <a:prstGeom prst="rect">
-            <a:avLst/>
-          </a:prstGeom>
-          <a:solidFill>
-            <a:srgbClr val="21C7D9"/>
-          </a:solidFill>
-          <a:ln/>
-        </p:spPr>
-        <p:txBody>
-          <a:bodyPr/>
-          <a:lstStyle/>
-          <a:p>
-            <a:endParaRPr lang="en-US"/>
-          </a:p>
-        </p:txBody>
-      </p:sp>
-      <p:sp>
-        <p:nvSpPr>
-          <p:cNvPr id="8" name="Shape 6"/>
-          <p:cNvSpPr/>
-          <p:nvPr/>
-        </p:nvSpPr>
-        <p:spPr>
-          <a:xfrm>
-            <a:off x="868680" y="1600200"/>
-            <a:ext cx="10789920" cy="4892040"/>
-          </a:xfrm>
-          <a:prstGeom prst="rect">
-            <a:avLst/>
-          </a:prstGeom>
-          <a:solidFill>
-            <a:srgbClr val="061A2B"/>
-          </a:solidFill>
-          <a:ln w="25400">
-            <a:solidFill>
-              <a:srgbClr val="3D6C8B"/>
-            </a:solidFill>
-            <a:prstDash val="solid"/>
-          </a:ln>
-        </p:spPr>
-        <p:txBody>
-          <a:bodyPr/>
-          <a:lstStyle/>
-          <a:p>
-            <a:endParaRPr lang="en-US"/>
-          </a:p>
-        </p:txBody>
-      </p:sp>
-      <p:sp>
-        <p:nvSpPr>
-          <p:cNvPr id="9" name="Text 7"/>
-          <p:cNvSpPr/>
-          <p:nvPr/>
-        </p:nvSpPr>
-        <p:spPr>
-          <a:xfrm>
-            <a:off x="868680" y="3817620"/>
-            <a:ext cx="10789920" cy="457200"/>
-          </a:xfrm>
-          <a:prstGeom prst="rect">
-            <a:avLst/>
-          </a:prstGeom>
-          <a:noFill/>
-          <a:ln/>
-        </p:spPr>
-        <p:txBody>
-          <a:bodyPr wrap="square" rtlCol="0" anchor="ctr"/>
-          <a:lstStyle/>
-          <a:p>
-            <a:pPr marL="0" indent="0" algn="ctr">
-              <a:buNone/>
-            </a:pPr>
-            <a:r>
-              <a:rPr lang="en-US" sz="2200" dirty="0">
-                <a:solidFill>
-                  <a:srgbClr val="BFD5E6"/>
-                </a:solidFill>
-                <a:latin typeface="Aptos Display" pitchFamily="34" charset="0"/>
-                <a:ea typeface="Aptos Display" pitchFamily="34" charset="-122"/>
-                <a:cs typeface="Aptos Display" pitchFamily="34" charset="-120"/>
-              </a:rPr>
-              <a:t>Insert image / screenshot here</a:t>
-            </a:r>
-            <a:endParaRPr lang="en-US" sz="2200" dirty="0"/>
-          </a:p>
-        </p:txBody>
-      </p:sp>
-      <p:sp>
-        <p:nvSpPr>
-          <p:cNvPr id="10" name="Text 8"/>
-          <p:cNvSpPr/>
-          <p:nvPr/>
-        </p:nvSpPr>
-        <p:spPr>
-          <a:xfrm>
-            <a:off x="868680" y="4549140"/>
-            <a:ext cx="10789920" cy="320040"/>
-          </a:xfrm>
-          <a:prstGeom prst="rect">
-            <a:avLst/>
-          </a:prstGeom>
-          <a:noFill/>
-          <a:ln/>
-        </p:spPr>
-        <p:txBody>
-          <a:bodyPr wrap="square" rtlCol="0" anchor="ctr"/>
-          <a:lstStyle/>
-          <a:p>
-            <a:pPr marL="0" indent="0" algn="ctr">
-              <a:buNone/>
-            </a:pPr>
-            <a:r>
-              <a:rPr lang="en-US" sz="1200" dirty="0">
-                <a:solidFill>
-                  <a:srgbClr val="7FB1D1"/>
-                </a:solidFill>
-                <a:latin typeface="Aptos" pitchFamily="34" charset="0"/>
-                <a:ea typeface="Aptos" pitchFamily="34" charset="-122"/>
-                <a:cs typeface="Aptos" pitchFamily="34" charset="-120"/>
-              </a:rPr>
-              <a:t>Tip: keep code at ≥ 20pt for readability</a:t>
-            </a:r>
-            <a:endParaRPr lang="en-US" sz="1200" dirty="0"/>
           </a:p>
         </p:txBody>
       </p:sp>
